--- a/La boutique du Chaman.pptx
+++ b/La boutique du Chaman.pptx
@@ -117,6 +117,11 @@
       </a:defRPr>
     </a:lvl9pPr>
   </p:defaultTextStyle>
+  <p:extLst>
+    <p:ext uri="{EFAFB233-063F-42B5-8137-9DF3F51BA10A}">
+      <p15:sldGuideLst xmlns:p15="http://schemas.microsoft.com/office/powerpoint/2012/main"/>
+    </p:ext>
+  </p:extLst>
 </p:presentation>
 </file>
 
@@ -267,7 +272,7 @@
           <a:p>
             <a:fld id="{C37B7B7B-6252-4410-8A06-DA6F65E92957}" type="datetimeFigureOut">
               <a:rPr lang="fr-FR" smtClean="0"/>
-              <a:t>07/02/2024</a:t>
+              <a:t>12/02/2024</a:t>
             </a:fld>
             <a:endParaRPr lang="fr-FR"/>
           </a:p>
@@ -465,7 +470,7 @@
           <a:p>
             <a:fld id="{C37B7B7B-6252-4410-8A06-DA6F65E92957}" type="datetimeFigureOut">
               <a:rPr lang="fr-FR" smtClean="0"/>
-              <a:t>07/02/2024</a:t>
+              <a:t>12/02/2024</a:t>
             </a:fld>
             <a:endParaRPr lang="fr-FR"/>
           </a:p>
@@ -673,7 +678,7 @@
           <a:p>
             <a:fld id="{C37B7B7B-6252-4410-8A06-DA6F65E92957}" type="datetimeFigureOut">
               <a:rPr lang="fr-FR" smtClean="0"/>
-              <a:t>07/02/2024</a:t>
+              <a:t>12/02/2024</a:t>
             </a:fld>
             <a:endParaRPr lang="fr-FR"/>
           </a:p>
@@ -871,7 +876,7 @@
           <a:p>
             <a:fld id="{C37B7B7B-6252-4410-8A06-DA6F65E92957}" type="datetimeFigureOut">
               <a:rPr lang="fr-FR" smtClean="0"/>
-              <a:t>07/02/2024</a:t>
+              <a:t>12/02/2024</a:t>
             </a:fld>
             <a:endParaRPr lang="fr-FR"/>
           </a:p>
@@ -1146,7 +1151,7 @@
           <a:p>
             <a:fld id="{C37B7B7B-6252-4410-8A06-DA6F65E92957}" type="datetimeFigureOut">
               <a:rPr lang="fr-FR" smtClean="0"/>
-              <a:t>07/02/2024</a:t>
+              <a:t>12/02/2024</a:t>
             </a:fld>
             <a:endParaRPr lang="fr-FR"/>
           </a:p>
@@ -1411,7 +1416,7 @@
           <a:p>
             <a:fld id="{C37B7B7B-6252-4410-8A06-DA6F65E92957}" type="datetimeFigureOut">
               <a:rPr lang="fr-FR" smtClean="0"/>
-              <a:t>07/02/2024</a:t>
+              <a:t>12/02/2024</a:t>
             </a:fld>
             <a:endParaRPr lang="fr-FR"/>
           </a:p>
@@ -1823,7 +1828,7 @@
           <a:p>
             <a:fld id="{C37B7B7B-6252-4410-8A06-DA6F65E92957}" type="datetimeFigureOut">
               <a:rPr lang="fr-FR" smtClean="0"/>
-              <a:t>07/02/2024</a:t>
+              <a:t>12/02/2024</a:t>
             </a:fld>
             <a:endParaRPr lang="fr-FR"/>
           </a:p>
@@ -1964,7 +1969,7 @@
           <a:p>
             <a:fld id="{C37B7B7B-6252-4410-8A06-DA6F65E92957}" type="datetimeFigureOut">
               <a:rPr lang="fr-FR" smtClean="0"/>
-              <a:t>07/02/2024</a:t>
+              <a:t>12/02/2024</a:t>
             </a:fld>
             <a:endParaRPr lang="fr-FR"/>
           </a:p>
@@ -2077,7 +2082,7 @@
           <a:p>
             <a:fld id="{C37B7B7B-6252-4410-8A06-DA6F65E92957}" type="datetimeFigureOut">
               <a:rPr lang="fr-FR" smtClean="0"/>
-              <a:t>07/02/2024</a:t>
+              <a:t>12/02/2024</a:t>
             </a:fld>
             <a:endParaRPr lang="fr-FR"/>
           </a:p>
@@ -2388,7 +2393,7 @@
           <a:p>
             <a:fld id="{C37B7B7B-6252-4410-8A06-DA6F65E92957}" type="datetimeFigureOut">
               <a:rPr lang="fr-FR" smtClean="0"/>
-              <a:t>07/02/2024</a:t>
+              <a:t>12/02/2024</a:t>
             </a:fld>
             <a:endParaRPr lang="fr-FR"/>
           </a:p>
@@ -2676,7 +2681,7 @@
           <a:p>
             <a:fld id="{C37B7B7B-6252-4410-8A06-DA6F65E92957}" type="datetimeFigureOut">
               <a:rPr lang="fr-FR" smtClean="0"/>
-              <a:t>07/02/2024</a:t>
+              <a:t>12/02/2024</a:t>
             </a:fld>
             <a:endParaRPr lang="fr-FR"/>
           </a:p>
@@ -2917,7 +2922,7 @@
           <a:p>
             <a:fld id="{C37B7B7B-6252-4410-8A06-DA6F65E92957}" type="datetimeFigureOut">
               <a:rPr lang="fr-FR" smtClean="0"/>
-              <a:t>07/02/2024</a:t>
+              <a:t>12/02/2024</a:t>
             </a:fld>
             <a:endParaRPr lang="fr-FR"/>
           </a:p>
@@ -3423,6 +3428,41 @@
           </a:p>
         </p:txBody>
       </p:sp>
+      <p:sp>
+        <p:nvSpPr>
+          <p:cNvPr id="4" name="ZoneTexte 3">
+            <a:extLst>
+              <a:ext uri="{FF2B5EF4-FFF2-40B4-BE49-F238E27FC236}">
+                <a16:creationId xmlns:a16="http://schemas.microsoft.com/office/drawing/2014/main" id="{209FAA1F-7CB4-6671-BEA7-E2B797B24093}"/>
+              </a:ext>
+            </a:extLst>
+          </p:cNvPr>
+          <p:cNvSpPr txBox="1"/>
+          <p:nvPr/>
+        </p:nvSpPr>
+        <p:spPr>
+          <a:xfrm>
+            <a:off x="9533357" y="6082235"/>
+            <a:ext cx="2058875" cy="369332"/>
+          </a:xfrm>
+          <a:prstGeom prst="rect">
+            <a:avLst/>
+          </a:prstGeom>
+          <a:noFill/>
+        </p:spPr>
+        <p:txBody>
+          <a:bodyPr wrap="square" rtlCol="0">
+            <a:spAutoFit/>
+          </a:bodyPr>
+          <a:lstStyle/>
+          <a:p>
+            <a:r>
+              <a:rPr lang="fr-FR" dirty="0"/>
+              <a:t>Benoît Paluch</a:t>
+            </a:r>
+          </a:p>
+        </p:txBody>
+      </p:sp>
     </p:spTree>
     <p:extLst>
       <p:ext uri="{BB962C8B-B14F-4D97-AF65-F5344CB8AC3E}">
